--- a/Python/Lesson 99 - NLP/Lesson 99 - Natural Language Processing.pptx
+++ b/Python/Lesson 99 - NLP/Lesson 99 - Natural Language Processing.pptx
@@ -29876,17 +29876,17 @@
             <a:p>
               <a:pPr algn="ctr" eaLnBrk="1" hangingPunct="1"/>
               <a:r>
-                <a:rPr lang="en-US" altLang="en-US" sz="1050">
+                <a:rPr lang="en-US" altLang="en-US" sz="1050" dirty="0">
                   <a:latin typeface="Tahoma" panose="020B0604030504040204" pitchFamily="34" charset="0"/>
                   <a:cs typeface="Arial" panose="020B0604020202020204" pitchFamily="34" charset="0"/>
                 </a:rPr>
-                <a:t>Class=  </a:t>
+                <a:t>Class= + </a:t>
               </a:r>
             </a:p>
             <a:p>
               <a:pPr algn="ctr" eaLnBrk="1" hangingPunct="1"/>
               <a:r>
-                <a:rPr lang="en-US" altLang="en-US" sz="1050">
+                <a:rPr lang="en-US" altLang="en-US" sz="1050" dirty="0">
                   <a:latin typeface="Tahoma" panose="020B0604030504040204" pitchFamily="34" charset="0"/>
                   <a:cs typeface="Arial" panose="020B0604020202020204" pitchFamily="34" charset="0"/>
                 </a:rPr>
@@ -29947,11 +29947,11 @@
             <a:p>
               <a:pPr algn="ctr" eaLnBrk="1" hangingPunct="1"/>
               <a:r>
-                <a:rPr lang="en-US" altLang="en-US" sz="1050">
+                <a:rPr lang="en-US" altLang="en-US" sz="1050" dirty="0">
                   <a:latin typeface="Tahoma" panose="020B0604030504040204" pitchFamily="34" charset="0"/>
                   <a:cs typeface="Arial" panose="020B0604020202020204" pitchFamily="34" charset="0"/>
                 </a:rPr>
-                <a:t>Class=  </a:t>
+                <a:t>Class= - </a:t>
               </a:r>
             </a:p>
           </p:txBody>
@@ -30008,11 +30008,11 @@
             <a:p>
               <a:pPr algn="ctr" eaLnBrk="1" hangingPunct="1"/>
               <a:r>
-                <a:rPr lang="en-US" altLang="en-US" sz="1050">
+                <a:rPr lang="en-US" altLang="en-US" sz="1050" dirty="0">
                   <a:latin typeface="Tahoma" panose="020B0604030504040204" pitchFamily="34" charset="0"/>
                   <a:cs typeface="Arial" panose="020B0604020202020204" pitchFamily="34" charset="0"/>
                 </a:rPr>
-                <a:t>Class= </a:t>
+                <a:t>Class= +</a:t>
               </a:r>
             </a:p>
           </p:txBody>
@@ -31126,17 +31126,17 @@
             <a:p>
               <a:pPr algn="ctr" eaLnBrk="1" hangingPunct="1"/>
               <a:r>
-                <a:rPr lang="en-US" altLang="en-US" i="0">
+                <a:rPr lang="en-US" altLang="en-US" i="0" dirty="0">
                   <a:latin typeface="Tahoma" panose="020B0604030504040204" pitchFamily="34" charset="0"/>
                   <a:cs typeface="Arial" panose="020B0604020202020204" pitchFamily="34" charset="0"/>
                 </a:rPr>
-                <a:t>Class=  </a:t>
+                <a:t>Class= + </a:t>
               </a:r>
             </a:p>
             <a:p>
               <a:pPr algn="ctr" eaLnBrk="1" hangingPunct="1"/>
               <a:r>
-                <a:rPr lang="en-US" altLang="en-US" sz="1400" i="0">
+                <a:rPr lang="en-US" altLang="en-US" sz="1400" i="0" dirty="0">
                   <a:latin typeface="Tahoma" panose="020B0604030504040204" pitchFamily="34" charset="0"/>
                   <a:cs typeface="Arial" panose="020B0604020202020204" pitchFamily="34" charset="0"/>
                 </a:rPr>
@@ -31197,11 +31197,11 @@
             <a:p>
               <a:pPr algn="ctr" eaLnBrk="1" hangingPunct="1"/>
               <a:r>
-                <a:rPr lang="en-US" altLang="en-US" i="0">
+                <a:rPr lang="en-US" altLang="en-US" i="0" dirty="0">
                   <a:latin typeface="Tahoma" panose="020B0604030504040204" pitchFamily="34" charset="0"/>
                   <a:cs typeface="Arial" panose="020B0604020202020204" pitchFamily="34" charset="0"/>
                 </a:rPr>
-                <a:t>Class=  </a:t>
+                <a:t>Class= - </a:t>
               </a:r>
             </a:p>
           </p:txBody>
@@ -31258,20 +31258,20 @@
             <a:p>
               <a:pPr algn="ctr" eaLnBrk="1" hangingPunct="1"/>
               <a:r>
-                <a:rPr lang="en-US" altLang="en-US" i="0">
+                <a:rPr lang="en-US" altLang="en-US" i="0" dirty="0">
                   <a:latin typeface="Tahoma" panose="020B0604030504040204" pitchFamily="34" charset="0"/>
                   <a:cs typeface="Arial" panose="020B0604020202020204" pitchFamily="34" charset="0"/>
                 </a:rPr>
                 <a:t>Class=</a:t>
               </a:r>
               <a:r>
-                <a:rPr lang="en-US" altLang="en-US">
+                <a:rPr lang="en-US" altLang="en-US" dirty="0">
                   <a:latin typeface="Tahoma" panose="020B0604030504040204" pitchFamily="34" charset="0"/>
                   <a:cs typeface="Arial" panose="020B0604020202020204" pitchFamily="34" charset="0"/>
                 </a:rPr>
-                <a:t> </a:t>
+                <a:t> +</a:t>
               </a:r>
-              <a:endParaRPr lang="en-US" altLang="en-US" i="0">
+              <a:endParaRPr lang="en-US" altLang="en-US" i="0" dirty="0">
                 <a:latin typeface="Tahoma" panose="020B0604030504040204" pitchFamily="34" charset="0"/>
                 <a:cs typeface="Arial" panose="020B0604020202020204" pitchFamily="34" charset="0"/>
               </a:endParaRPr>
@@ -35588,8 +35588,8 @@
             <a:chExt cx="2848725" cy="603754"/>
           </a:xfrm>
         </p:grpSpPr>
-        <mc:AlternateContent xmlns:mc="http://schemas.openxmlformats.org/markup-compatibility/2006">
-          <mc:Choice xmlns:a14="http://schemas.microsoft.com/office/drawing/2010/main" Requires="a14">
+        <mc:AlternateContent xmlns:mc="http://schemas.openxmlformats.org/markup-compatibility/2006" xmlns:a14="http://schemas.microsoft.com/office/drawing/2010/main">
+          <mc:Choice Requires="a14">
             <p:sp>
               <p:nvSpPr>
                 <p:cNvPr id="3" name="TextBox 2"/>
@@ -35717,7 +35717,16 @@
                                     </a:solidFill>
                                     <a:latin typeface="Cambria Math" panose="02040503050406030204" pitchFamily="18" charset="0"/>
                                   </a:rPr>
-                                  <m:t>)≥0</m:t>
+                                  <m:t>)≥</m:t>
+                                </m:r>
+                                <m:r>
+                                  <a:rPr lang="en-US" sz="1050" i="1">
+                                    <a:solidFill>
+                                      <a:schemeClr val="tx1"/>
+                                    </a:solidFill>
+                                    <a:latin typeface="Cambria Math" panose="02040503050406030204" pitchFamily="18" charset="0"/>
+                                  </a:rPr>
+                                  <m:t>0</m:t>
                                 </m:r>
                                 <m:r>
                                   <a:rPr lang="en-US" sz="1050" i="1">
@@ -35761,13 +35770,13 @@
                                   <a:rPr lang="en-US" sz="1050" i="1">
                                     <a:latin typeface="Cambria Math" panose="02040503050406030204" pitchFamily="18" charset="0"/>
                                   </a:rPr>
-                                  <m:t>)</m:t>
+                                  <m:t>)&lt;</m:t>
                                 </m:r>
                                 <m:r>
                                   <a:rPr lang="en-US" sz="1050" i="1">
                                     <a:latin typeface="Cambria Math" panose="02040503050406030204" pitchFamily="18" charset="0"/>
                                   </a:rPr>
-                                  <m:t>&lt;0</m:t>
+                                  <m:t>0</m:t>
                                 </m:r>
                                 <m:r>
                                   <a:rPr lang="en-US" sz="1050" i="1">
@@ -35787,7 +35796,7 @@
               </p:txBody>
             </p:sp>
           </mc:Choice>
-          <mc:Fallback>
+          <mc:Fallback xmlns="">
             <p:sp>
               <p:nvSpPr>
                 <p:cNvPr id="3" name="TextBox 2"/>
@@ -35892,8 +35901,8 @@
           </p:spPr>
         </p:pic>
       </p:grpSp>
-      <mc:AlternateContent xmlns:mc="http://schemas.openxmlformats.org/markup-compatibility/2006">
-        <mc:Choice xmlns:a14="http://schemas.microsoft.com/office/drawing/2010/main" Requires="a14">
+      <mc:AlternateContent xmlns:mc="http://schemas.openxmlformats.org/markup-compatibility/2006" xmlns:a14="http://schemas.microsoft.com/office/drawing/2010/main">
+        <mc:Choice Requires="a14">
           <p:sp>
             <p:nvSpPr>
               <p:cNvPr id="169" name="TextBox 168">
@@ -35977,7 +35986,16 @@
                           </a:solidFill>
                           <a:latin typeface="Cambria Math" panose="02040503050406030204" pitchFamily="18" charset="0"/>
                         </a:rPr>
-                        <m:t>5−</m:t>
+                        <m:t>5</m:t>
+                      </m:r>
+                      <m:r>
+                        <a:rPr lang="en-US" sz="1050" i="1">
+                          <a:solidFill>
+                            <a:srgbClr val="3720E0"/>
+                          </a:solidFill>
+                          <a:latin typeface="Cambria Math" panose="02040503050406030204" pitchFamily="18" charset="0"/>
+                        </a:rPr>
+                        <m:t>−</m:t>
                       </m:r>
                       <m:f>
                         <m:fPr>
@@ -36056,7 +36074,16 @@
                           </a:solidFill>
                           <a:latin typeface="Cambria Math" panose="02040503050406030204" pitchFamily="18" charset="0"/>
                         </a:rPr>
-                        <m:t>=0</m:t>
+                        <m:t>=</m:t>
+                      </m:r>
+                      <m:r>
+                        <a:rPr lang="en-US" sz="1050" i="1">
+                          <a:solidFill>
+                            <a:srgbClr val="3720E0"/>
+                          </a:solidFill>
+                          <a:latin typeface="Cambria Math" panose="02040503050406030204" pitchFamily="18" charset="0"/>
+                        </a:rPr>
+                        <m:t>0</m:t>
                       </m:r>
                     </m:oMath>
                   </m:oMathPara>
@@ -36070,7 +36097,7 @@
             </p:txBody>
           </p:sp>
         </mc:Choice>
-        <mc:Fallback>
+        <mc:Fallback xmlns="">
           <p:sp>
             <p:nvSpPr>
               <p:cNvPr id="169" name="TextBox 168">
@@ -36572,8 +36599,8 @@
           </a:p>
         </p:txBody>
       </p:sp>
-      <mc:AlternateContent xmlns:mc="http://schemas.openxmlformats.org/markup-compatibility/2006">
-        <mc:Choice xmlns:a14="http://schemas.microsoft.com/office/drawing/2010/main" Requires="a14">
+      <mc:AlternateContent xmlns:mc="http://schemas.openxmlformats.org/markup-compatibility/2006" xmlns:a14="http://schemas.microsoft.com/office/drawing/2010/main">
+        <mc:Choice Requires="a14">
           <p:sp>
             <p:nvSpPr>
               <p:cNvPr id="7" name="TextBox 6">
@@ -36648,16 +36675,7 @@
                           </a:solidFill>
                           <a:latin typeface="Cambria Math" panose="02040503050406030204" pitchFamily="18" charset="0"/>
                         </a:rPr>
-                        <m:t>=−</m:t>
-                      </m:r>
-                      <m:r>
-                        <a:rPr lang="en-US" sz="1050" i="1">
-                          <a:solidFill>
-                            <a:srgbClr val="3720E0"/>
-                          </a:solidFill>
-                          <a:latin typeface="Cambria Math" panose="02040503050406030204" pitchFamily="18" charset="0"/>
-                        </a:rPr>
-                        <m:t>5−</m:t>
+                        <m:t>=−5−</m:t>
                       </m:r>
                       <m:f>
                         <m:fPr>
@@ -36750,7 +36768,7 @@
             </p:txBody>
           </p:sp>
         </mc:Choice>
-        <mc:Fallback>
+        <mc:Fallback xmlns="">
           <p:sp>
             <p:nvSpPr>
               <p:cNvPr id="7" name="TextBox 6">
